--- a/SessionWinter2018/KT-i/Barkovskaya1.pptx
+++ b/SessionWinter2018/KT-i/Barkovskaya1.pptx
@@ -7,6 +7,13 @@
   <p:sldIdLst>
     <p:sldId id="256" r:id="rId2"/>
     <p:sldId id="257" r:id="rId3"/>
+    <p:sldId id="258" r:id="rId4"/>
+    <p:sldId id="259" r:id="rId5"/>
+    <p:sldId id="260" r:id="rId6"/>
+    <p:sldId id="261" r:id="rId7"/>
+    <p:sldId id="262" r:id="rId8"/>
+    <p:sldId id="263" r:id="rId9"/>
+    <p:sldId id="264" r:id="rId10"/>
   </p:sldIdLst>
   <p:sldSz cx="12192000" cy="6858000"/>
   <p:notesSz cx="6858000" cy="9144000"/>
@@ -105,6 +112,11 @@
       </a:defRPr>
     </a:lvl9pPr>
   </p:defaultTextStyle>
+  <p:extLst>
+    <p:ext uri="{EFAFB233-063F-42B5-8137-9DF3F51BA10A}">
+      <p15:sldGuideLst xmlns:p15="http://schemas.microsoft.com/office/powerpoint/2012/main"/>
+    </p:ext>
+  </p:extLst>
 </p:presentation>
 </file>
 
@@ -293,7 +305,7 @@
           <a:p>
             <a:fld id="{EE28873B-C0A8-44C7-B6DD-50C3047733E8}" type="datetimeFigureOut">
               <a:rPr lang="en-US" smtClean="0"/>
-              <a:t>1/3/2019</a:t>
+              <a:t>1/10/2019</a:t>
             </a:fld>
             <a:endParaRPr lang="en-US"/>
           </a:p>
@@ -591,7 +603,7 @@
           <a:p>
             <a:fld id="{EE28873B-C0A8-44C7-B6DD-50C3047733E8}" type="datetimeFigureOut">
               <a:rPr lang="en-US" smtClean="0"/>
-              <a:t>1/3/2019</a:t>
+              <a:t>1/10/2019</a:t>
             </a:fld>
             <a:endParaRPr lang="en-US"/>
           </a:p>
@@ -783,7 +795,7 @@
           <a:p>
             <a:fld id="{EE28873B-C0A8-44C7-B6DD-50C3047733E8}" type="datetimeFigureOut">
               <a:rPr lang="en-US" smtClean="0"/>
-              <a:t>1/3/2019</a:t>
+              <a:t>1/10/2019</a:t>
             </a:fld>
             <a:endParaRPr lang="en-US"/>
           </a:p>
@@ -1044,7 +1056,7 @@
           <a:p>
             <a:fld id="{EE28873B-C0A8-44C7-B6DD-50C3047733E8}" type="datetimeFigureOut">
               <a:rPr lang="en-US" smtClean="0"/>
-              <a:t>1/3/2019</a:t>
+              <a:t>1/10/2019</a:t>
             </a:fld>
             <a:endParaRPr lang="en-US"/>
           </a:p>
@@ -1468,7 +1480,7 @@
           <a:p>
             <a:fld id="{EE28873B-C0A8-44C7-B6DD-50C3047733E8}" type="datetimeFigureOut">
               <a:rPr lang="en-US" smtClean="0"/>
-              <a:t>1/3/2019</a:t>
+              <a:t>1/10/2019</a:t>
             </a:fld>
             <a:endParaRPr lang="en-US"/>
           </a:p>
@@ -2005,7 +2017,7 @@
           <a:p>
             <a:fld id="{EE28873B-C0A8-44C7-B6DD-50C3047733E8}" type="datetimeFigureOut">
               <a:rPr lang="en-US" smtClean="0"/>
-              <a:t>1/3/2019</a:t>
+              <a:t>1/10/2019</a:t>
             </a:fld>
             <a:endParaRPr lang="en-US"/>
           </a:p>
@@ -2869,7 +2881,7 @@
           <a:p>
             <a:fld id="{EE28873B-C0A8-44C7-B6DD-50C3047733E8}" type="datetimeFigureOut">
               <a:rPr lang="en-US" smtClean="0"/>
-              <a:t>1/3/2019</a:t>
+              <a:t>1/10/2019</a:t>
             </a:fld>
             <a:endParaRPr lang="en-US"/>
           </a:p>
@@ -3039,7 +3051,7 @@
           <a:p>
             <a:fld id="{EE28873B-C0A8-44C7-B6DD-50C3047733E8}" type="datetimeFigureOut">
               <a:rPr lang="en-US" smtClean="0"/>
-              <a:t>1/3/2019</a:t>
+              <a:t>1/10/2019</a:t>
             </a:fld>
             <a:endParaRPr lang="en-US"/>
           </a:p>
@@ -3223,7 +3235,7 @@
           <a:p>
             <a:fld id="{EE28873B-C0A8-44C7-B6DD-50C3047733E8}" type="datetimeFigureOut">
               <a:rPr lang="en-US" smtClean="0"/>
-              <a:t>1/3/2019</a:t>
+              <a:t>1/10/2019</a:t>
             </a:fld>
             <a:endParaRPr lang="en-US"/>
           </a:p>
@@ -3393,7 +3405,7 @@
           <a:p>
             <a:fld id="{EE28873B-C0A8-44C7-B6DD-50C3047733E8}" type="datetimeFigureOut">
               <a:rPr lang="en-US" smtClean="0"/>
-              <a:t>1/3/2019</a:t>
+              <a:t>1/10/2019</a:t>
             </a:fld>
             <a:endParaRPr lang="en-US"/>
           </a:p>
@@ -3637,7 +3649,7 @@
           <a:p>
             <a:fld id="{EE28873B-C0A8-44C7-B6DD-50C3047733E8}" type="datetimeFigureOut">
               <a:rPr lang="en-US" smtClean="0"/>
-              <a:t>1/3/2019</a:t>
+              <a:t>1/10/2019</a:t>
             </a:fld>
             <a:endParaRPr lang="en-US"/>
           </a:p>
@@ -3873,7 +3885,7 @@
           <a:p>
             <a:fld id="{EE28873B-C0A8-44C7-B6DD-50C3047733E8}" type="datetimeFigureOut">
               <a:rPr lang="en-US" smtClean="0"/>
-              <a:t>1/3/2019</a:t>
+              <a:t>1/10/2019</a:t>
             </a:fld>
             <a:endParaRPr lang="en-US"/>
           </a:p>
@@ -4339,7 +4351,7 @@
           <a:p>
             <a:fld id="{EE28873B-C0A8-44C7-B6DD-50C3047733E8}" type="datetimeFigureOut">
               <a:rPr lang="en-US" smtClean="0"/>
-              <a:t>1/3/2019</a:t>
+              <a:t>1/10/2019</a:t>
             </a:fld>
             <a:endParaRPr lang="en-US"/>
           </a:p>
@@ -4457,7 +4469,7 @@
           <a:p>
             <a:fld id="{EE28873B-C0A8-44C7-B6DD-50C3047733E8}" type="datetimeFigureOut">
               <a:rPr lang="en-US" smtClean="0"/>
-              <a:t>1/3/2019</a:t>
+              <a:t>1/10/2019</a:t>
             </a:fld>
             <a:endParaRPr lang="en-US"/>
           </a:p>
@@ -4552,7 +4564,7 @@
           <a:p>
             <a:fld id="{EE28873B-C0A8-44C7-B6DD-50C3047733E8}" type="datetimeFigureOut">
               <a:rPr lang="en-US" smtClean="0"/>
-              <a:t>1/3/2019</a:t>
+              <a:t>1/10/2019</a:t>
             </a:fld>
             <a:endParaRPr lang="en-US"/>
           </a:p>
@@ -4807,7 +4819,7 @@
           <a:p>
             <a:fld id="{EE28873B-C0A8-44C7-B6DD-50C3047733E8}" type="datetimeFigureOut">
               <a:rPr lang="en-US" smtClean="0"/>
-              <a:t>1/3/2019</a:t>
+              <a:t>1/10/2019</a:t>
             </a:fld>
             <a:endParaRPr lang="en-US"/>
           </a:p>
@@ -5107,7 +5119,7 @@
           <a:p>
             <a:fld id="{EE28873B-C0A8-44C7-B6DD-50C3047733E8}" type="datetimeFigureOut">
               <a:rPr lang="en-US" smtClean="0"/>
-              <a:t>1/3/2019</a:t>
+              <a:t>1/10/2019</a:t>
             </a:fld>
             <a:endParaRPr lang="en-US"/>
           </a:p>
@@ -5341,7 +5353,7 @@
           <a:p>
             <a:fld id="{EE28873B-C0A8-44C7-B6DD-50C3047733E8}" type="datetimeFigureOut">
               <a:rPr lang="en-US" smtClean="0"/>
-              <a:t>1/3/2019</a:t>
+              <a:t>1/10/2019</a:t>
             </a:fld>
             <a:endParaRPr lang="en-US"/>
           </a:p>
@@ -6135,38 +6147,21 @@
           </a:bodyPr>
           <a:lstStyle/>
           <a:p>
-            <a:pPr marL="36900" indent="0">
+            <a:pPr marL="36900" indent="0" algn="just">
               <a:buNone/>
             </a:pPr>
-            <a:r>
-              <a:rPr lang="ru-RU" dirty="0" smtClean="0">
-                <a:effectLst/>
-              </a:rPr>
-              <a:t>	3D </a:t>
-            </a:r>
             <a:r>
               <a:rPr lang="ru-RU" dirty="0">
                 <a:effectLst/>
               </a:rPr>
-              <a:t>графика – это создание объемной модели при помощи специальных компьютерных программ. Объемное изображение создаётся на основе чертежей, рисунков, подробных описаний или любой другой графический или текстовой информации. В специальной программе модель можно посмотреть со всех сторон (сверху, снизу, сбоку), встроить на любую плоскость и в любое </a:t>
-            </a:r>
-            <a:r>
-              <a:rPr lang="ru-RU" dirty="0" smtClean="0">
-                <a:effectLst/>
-              </a:rPr>
-              <a:t>окружение.</a:t>
-            </a:r>
-          </a:p>
-          <a:p>
-            <a:pPr marL="36900" indent="0">
-              <a:buNone/>
-            </a:pPr>
-            <a:endParaRPr lang="ru-RU" dirty="0">
+              <a:t>На смену схемам, чертежам, зарисовкам уже давно пришло 3D моделирование, которое стало неотъемлемой частью современных технологий. Особенности трехмерной графики дают возможность создавать объемные модели объектов в виртуальном пространстве различной степени сложности. </a:t>
+            </a:r>
+            <a:endParaRPr lang="ru-RU" dirty="0" smtClean="0">
               <a:effectLst/>
             </a:endParaRPr>
           </a:p>
           <a:p>
-            <a:pPr marL="36900" indent="0">
+            <a:pPr marL="36900" indent="0" algn="just">
               <a:buNone/>
             </a:pPr>
             <a:endParaRPr lang="ru-RU" dirty="0" smtClean="0">
@@ -6174,33 +6169,58 @@
             </a:endParaRPr>
           </a:p>
           <a:p>
-            <a:pPr marL="36900" indent="0">
+            <a:pPr marL="36900" indent="0" algn="ctr">
               <a:buNone/>
             </a:pPr>
             <a:r>
               <a:rPr lang="ru-RU" dirty="0">
                 <a:effectLst/>
               </a:rPr>
-              <a:t>	</a:t>
-            </a:r>
-            <a:r>
-              <a:rPr lang="ru-RU" dirty="0" smtClean="0">
+              <a:t> </a:t>
+            </a:r>
+            <a:r>
+              <a:rPr lang="ru-RU" sz="4000" b="1" dirty="0">
                 <a:effectLst/>
               </a:rPr>
-              <a:t>Трехмерная </a:t>
-            </a:r>
-            <a:r>
-              <a:rPr lang="ru-RU" dirty="0">
+              <a:t>Т</a:t>
+            </a:r>
+            <a:r>
+              <a:rPr lang="ru-RU" sz="4000" b="1" dirty="0" smtClean="0">
                 <a:effectLst/>
               </a:rPr>
-              <a:t>графика может быть любой сложности. Можно создать простую трехмерную модель, с низкой детализацией и упрощенной формы. Или же это может быть более сложная модель, в которой присутствует проработка самых мелких деталей, фактуры, использованы профессиональные приемы (тени, отражения, преломление света и так далее).</a:t>
-            </a:r>
-          </a:p>
-          <a:p>
-            <a:pPr marL="36900" indent="0">
-              <a:buNone/>
-            </a:pPr>
-            <a:endParaRPr lang="ru-RU" dirty="0"/>
+              <a:t>рехмерное</a:t>
+            </a:r>
+            <a:r>
+              <a:rPr lang="ru-RU" sz="4000" b="1" dirty="0">
+                <a:effectLst/>
+              </a:rPr>
+              <a:t> изображение </a:t>
+            </a:r>
+            <a:r>
+              <a:rPr lang="ru-RU" sz="4000" dirty="0">
+                <a:effectLst/>
+              </a:rPr>
+              <a:t>(3D </a:t>
+            </a:r>
+            <a:r>
+              <a:rPr lang="ru-RU" sz="4000" dirty="0" err="1">
+                <a:effectLst/>
+              </a:rPr>
+              <a:t>image</a:t>
+            </a:r>
+            <a:r>
+              <a:rPr lang="ru-RU" sz="4000" dirty="0" smtClean="0">
+                <a:effectLst/>
+              </a:rPr>
+              <a:t>) -</a:t>
+            </a:r>
+            <a:r>
+              <a:rPr lang="ru-RU" sz="4000" dirty="0">
+                <a:effectLst/>
+              </a:rPr>
+              <a:t> Представление поверхности в трехмерном пространстве.</a:t>
+            </a:r>
+            <a:endParaRPr lang="ru-RU" sz="4000" dirty="0"/>
           </a:p>
         </p:txBody>
       </p:sp>
@@ -6208,6 +6228,1166 @@
     <p:extLst>
       <p:ext uri="{BB962C8B-B14F-4D97-AF65-F5344CB8AC3E}">
         <p14:creationId xmlns:p14="http://schemas.microsoft.com/office/powerpoint/2010/main" val="2551071310"/>
+      </p:ext>
+    </p:extLst>
+  </p:cSld>
+  <p:clrMapOvr>
+    <a:masterClrMapping/>
+  </p:clrMapOvr>
+</p:sld>
+</file>
+
+<file path=ppt/slides/slide3.xml><?xml version="1.0" encoding="utf-8"?>
+<p:sld xmlns:a="http://schemas.openxmlformats.org/drawingml/2006/main" xmlns:r="http://schemas.openxmlformats.org/officeDocument/2006/relationships" xmlns:p="http://schemas.openxmlformats.org/presentationml/2006/main">
+  <p:cSld>
+    <p:spTree>
+      <p:nvGrpSpPr>
+        <p:cNvPr id="1" name=""/>
+        <p:cNvGrpSpPr/>
+        <p:nvPr/>
+      </p:nvGrpSpPr>
+      <p:grpSpPr>
+        <a:xfrm>
+          <a:off x="0" y="0"/>
+          <a:ext cx="0" cy="0"/>
+          <a:chOff x="0" y="0"/>
+          <a:chExt cx="0" cy="0"/>
+        </a:xfrm>
+      </p:grpSpPr>
+      <p:sp>
+        <p:nvSpPr>
+          <p:cNvPr id="2" name="Title 1"/>
+          <p:cNvSpPr>
+            <a:spLocks noGrp="1"/>
+          </p:cNvSpPr>
+          <p:nvPr>
+            <p:ph type="title"/>
+          </p:nvPr>
+        </p:nvSpPr>
+        <p:spPr>
+          <a:xfrm>
+            <a:off x="913795" y="609599"/>
+            <a:ext cx="10353762" cy="5480649"/>
+          </a:xfrm>
+        </p:spPr>
+        <p:txBody>
+          <a:bodyPr>
+            <a:normAutofit fontScale="90000"/>
+          </a:bodyPr>
+          <a:lstStyle/>
+          <a:p>
+            <a:r>
+              <a:rPr lang="ru-RU" dirty="0">
+                <a:effectLst/>
+              </a:rPr>
+              <a:t>В основу 3D-технологий положена идея создания двух изображений для каждого глаза пользователя. По идее, создать </a:t>
+            </a:r>
+            <a:r>
+              <a:rPr lang="ru-RU" b="1" dirty="0">
+                <a:effectLst/>
+              </a:rPr>
+              <a:t>3D-контент</a:t>
+            </a:r>
+            <a:r>
+              <a:rPr lang="ru-RU" dirty="0">
+                <a:effectLst/>
+              </a:rPr>
+              <a:t> (фото или видео) легко — достаточно просто объединить 2 камеры в одном устройстве, а затем уже свести воедино полученную с них информацию. Гораздо сложнее «показать 3D», то есть показать каждому глазу «свою» картинку.</a:t>
+            </a:r>
+            <a:endParaRPr lang="en-US" dirty="0"/>
+          </a:p>
+        </p:txBody>
+      </p:sp>
+    </p:spTree>
+    <p:extLst>
+      <p:ext uri="{BB962C8B-B14F-4D97-AF65-F5344CB8AC3E}">
+        <p14:creationId xmlns:p14="http://schemas.microsoft.com/office/powerpoint/2010/main" val="2902577740"/>
+      </p:ext>
+    </p:extLst>
+  </p:cSld>
+  <p:clrMapOvr>
+    <a:masterClrMapping/>
+  </p:clrMapOvr>
+</p:sld>
+</file>
+
+<file path=ppt/slides/slide4.xml><?xml version="1.0" encoding="utf-8"?>
+<p:sld xmlns:a="http://schemas.openxmlformats.org/drawingml/2006/main" xmlns:r="http://schemas.openxmlformats.org/officeDocument/2006/relationships" xmlns:p="http://schemas.openxmlformats.org/presentationml/2006/main">
+  <p:cSld>
+    <p:spTree>
+      <p:nvGrpSpPr>
+        <p:cNvPr id="1" name=""/>
+        <p:cNvGrpSpPr/>
+        <p:nvPr/>
+      </p:nvGrpSpPr>
+      <p:grpSpPr>
+        <a:xfrm>
+          <a:off x="0" y="0"/>
+          <a:ext cx="0" cy="0"/>
+          <a:chOff x="0" y="0"/>
+          <a:chExt cx="0" cy="0"/>
+        </a:xfrm>
+      </p:grpSpPr>
+      <p:sp>
+        <p:nvSpPr>
+          <p:cNvPr id="2" name="Title 1"/>
+          <p:cNvSpPr>
+            <a:spLocks noGrp="1"/>
+          </p:cNvSpPr>
+          <p:nvPr>
+            <p:ph type="title"/>
+          </p:nvPr>
+        </p:nvSpPr>
+        <p:spPr/>
+        <p:txBody>
+          <a:bodyPr/>
+          <a:lstStyle/>
+          <a:p>
+            <a:pPr fontAlgn="base"/>
+            <a:r>
+              <a:rPr lang="ru-RU" dirty="0" smtClean="0">
+                <a:effectLst/>
+              </a:rPr>
+              <a:t>Поляризация</a:t>
+            </a:r>
+            <a:endParaRPr lang="ru-RU" dirty="0">
+              <a:effectLst/>
+            </a:endParaRPr>
+          </a:p>
+        </p:txBody>
+      </p:sp>
+      <p:sp>
+        <p:nvSpPr>
+          <p:cNvPr id="3" name="Content Placeholder 2"/>
+          <p:cNvSpPr>
+            <a:spLocks noGrp="1"/>
+          </p:cNvSpPr>
+          <p:nvPr>
+            <p:ph idx="1"/>
+          </p:nvPr>
+        </p:nvSpPr>
+        <p:spPr/>
+        <p:txBody>
+          <a:bodyPr>
+            <a:normAutofit/>
+          </a:bodyPr>
+          <a:lstStyle/>
+          <a:p>
+            <a:pPr marL="36900" indent="0" algn="just">
+              <a:buNone/>
+            </a:pPr>
+            <a:r>
+              <a:rPr lang="ru-RU" sz="2800" dirty="0">
+                <a:effectLst/>
+              </a:rPr>
+              <a:t>Базовые познания из курса оптики напоминают о том, что создавать «объем» можно с помощью поляризации светового потока. Достаточно пропустить свет через специальные преломляющие свет кристаллы, чтобы создать иллюзию трехмерного изображения. Для просмотра такого изображения потребуется использование специальных поляризационных очков. На принципе поляризации основана технология </a:t>
+            </a:r>
+            <a:r>
+              <a:rPr lang="ru-RU" sz="2800" b="1" dirty="0" err="1">
+                <a:effectLst/>
+              </a:rPr>
+              <a:t>iМах</a:t>
+            </a:r>
+            <a:r>
+              <a:rPr lang="ru-RU" sz="2800" b="1" dirty="0">
+                <a:effectLst/>
+              </a:rPr>
+              <a:t> 3D</a:t>
+            </a:r>
+            <a:r>
+              <a:rPr lang="ru-RU" sz="2800" dirty="0">
+                <a:effectLst/>
+              </a:rPr>
+              <a:t>, используемая в кинотеатрах и неприменимая в домашней электронике.</a:t>
+            </a:r>
+            <a:endParaRPr lang="en-US" sz="2800" dirty="0"/>
+          </a:p>
+        </p:txBody>
+      </p:sp>
+    </p:spTree>
+    <p:extLst>
+      <p:ext uri="{BB962C8B-B14F-4D97-AF65-F5344CB8AC3E}">
+        <p14:creationId xmlns:p14="http://schemas.microsoft.com/office/powerpoint/2010/main" val="2981045302"/>
+      </p:ext>
+    </p:extLst>
+  </p:cSld>
+  <p:clrMapOvr>
+    <a:masterClrMapping/>
+  </p:clrMapOvr>
+</p:sld>
+</file>
+
+<file path=ppt/slides/slide5.xml><?xml version="1.0" encoding="utf-8"?>
+<p:sld xmlns:a="http://schemas.openxmlformats.org/drawingml/2006/main" xmlns:r="http://schemas.openxmlformats.org/officeDocument/2006/relationships" xmlns:p="http://schemas.openxmlformats.org/presentationml/2006/main">
+  <p:cSld>
+    <p:spTree>
+      <p:nvGrpSpPr>
+        <p:cNvPr id="1" name=""/>
+        <p:cNvGrpSpPr/>
+        <p:nvPr/>
+      </p:nvGrpSpPr>
+      <p:grpSpPr>
+        <a:xfrm>
+          <a:off x="0" y="0"/>
+          <a:ext cx="0" cy="0"/>
+          <a:chOff x="0" y="0"/>
+          <a:chExt cx="0" cy="0"/>
+        </a:xfrm>
+      </p:grpSpPr>
+      <p:sp>
+        <p:nvSpPr>
+          <p:cNvPr id="2" name="Title 1"/>
+          <p:cNvSpPr>
+            <a:spLocks noGrp="1"/>
+          </p:cNvSpPr>
+          <p:nvPr>
+            <p:ph type="title"/>
+          </p:nvPr>
+        </p:nvSpPr>
+        <p:spPr/>
+        <p:txBody>
+          <a:bodyPr/>
+          <a:lstStyle/>
+          <a:p>
+            <a:pPr fontAlgn="base"/>
+            <a:r>
+              <a:rPr lang="ru-RU" dirty="0" err="1" smtClean="0">
+                <a:effectLst/>
+              </a:rPr>
+              <a:t>Анаглиф</a:t>
+            </a:r>
+            <a:endParaRPr lang="ru-RU" dirty="0">
+              <a:effectLst/>
+            </a:endParaRPr>
+          </a:p>
+        </p:txBody>
+      </p:sp>
+      <p:sp>
+        <p:nvSpPr>
+          <p:cNvPr id="3" name="Content Placeholder 2"/>
+          <p:cNvSpPr>
+            <a:spLocks noGrp="1"/>
+          </p:cNvSpPr>
+          <p:nvPr>
+            <p:ph idx="1"/>
+          </p:nvPr>
+        </p:nvSpPr>
+        <p:spPr/>
+        <p:txBody>
+          <a:bodyPr>
+            <a:noAutofit/>
+          </a:bodyPr>
+          <a:lstStyle/>
+          <a:p>
+            <a:pPr marL="36900" indent="0" algn="just">
+              <a:buNone/>
+            </a:pPr>
+            <a:r>
+              <a:rPr lang="ru-RU" sz="2800" dirty="0">
+                <a:effectLst/>
+              </a:rPr>
+              <a:t>Первые шаги в области </a:t>
+            </a:r>
+            <a:r>
+              <a:rPr lang="ru-RU" sz="2800" b="1" dirty="0">
+                <a:effectLst/>
+              </a:rPr>
+              <a:t>3D-технологий</a:t>
+            </a:r>
+            <a:r>
+              <a:rPr lang="ru-RU" sz="2800" dirty="0">
+                <a:effectLst/>
+              </a:rPr>
+              <a:t> основаны на разделении картинки для каждого глаза по цвету. Такое видео (или изображение) называется анаглифным, а для просмотра анаглифного контента нужны специальные красно-синие очки (для одного глаза — красный фильтр, для другого — синий). Впрочем, при таком подходе хромают цветопередача и качество изображения. Анаглифное видео было популярно в 70-80-х годах прошлого века, но с тех пор уже немало воды утекло, и на дворе XXI век, век инновационных технологий.</a:t>
+            </a:r>
+            <a:endParaRPr lang="en-US" sz="2800" dirty="0"/>
+          </a:p>
+        </p:txBody>
+      </p:sp>
+    </p:spTree>
+    <p:extLst>
+      <p:ext uri="{BB962C8B-B14F-4D97-AF65-F5344CB8AC3E}">
+        <p14:creationId xmlns:p14="http://schemas.microsoft.com/office/powerpoint/2010/main" val="768246933"/>
+      </p:ext>
+    </p:extLst>
+  </p:cSld>
+  <p:clrMapOvr>
+    <a:masterClrMapping/>
+  </p:clrMapOvr>
+</p:sld>
+</file>
+
+<file path=ppt/slides/slide6.xml><?xml version="1.0" encoding="utf-8"?>
+<p:sld xmlns:a="http://schemas.openxmlformats.org/drawingml/2006/main" xmlns:r="http://schemas.openxmlformats.org/officeDocument/2006/relationships" xmlns:p="http://schemas.openxmlformats.org/presentationml/2006/main">
+  <p:cSld>
+    <p:spTree>
+      <p:nvGrpSpPr>
+        <p:cNvPr id="1" name=""/>
+        <p:cNvGrpSpPr/>
+        <p:nvPr/>
+      </p:nvGrpSpPr>
+      <p:grpSpPr>
+        <a:xfrm>
+          <a:off x="0" y="0"/>
+          <a:ext cx="0" cy="0"/>
+          <a:chOff x="0" y="0"/>
+          <a:chExt cx="0" cy="0"/>
+        </a:xfrm>
+      </p:grpSpPr>
+      <p:sp>
+        <p:nvSpPr>
+          <p:cNvPr id="2" name="Title 1"/>
+          <p:cNvSpPr>
+            <a:spLocks noGrp="1"/>
+          </p:cNvSpPr>
+          <p:nvPr>
+            <p:ph type="title"/>
+          </p:nvPr>
+        </p:nvSpPr>
+        <p:spPr/>
+        <p:txBody>
+          <a:bodyPr/>
+          <a:lstStyle/>
+          <a:p>
+            <a:pPr fontAlgn="base"/>
+            <a:r>
+              <a:rPr lang="ru-RU" dirty="0">
+                <a:effectLst/>
+              </a:rPr>
+              <a:t>Разделение </a:t>
+            </a:r>
+            <a:r>
+              <a:rPr lang="ru-RU" dirty="0" smtClean="0">
+                <a:effectLst/>
+              </a:rPr>
+              <a:t>строк</a:t>
+            </a:r>
+            <a:endParaRPr lang="ru-RU" dirty="0">
+              <a:effectLst/>
+            </a:endParaRPr>
+          </a:p>
+        </p:txBody>
+      </p:sp>
+      <p:sp>
+        <p:nvSpPr>
+          <p:cNvPr id="3" name="Content Placeholder 2"/>
+          <p:cNvSpPr>
+            <a:spLocks noGrp="1"/>
+          </p:cNvSpPr>
+          <p:nvPr>
+            <p:ph idx="1"/>
+          </p:nvPr>
+        </p:nvSpPr>
+        <p:spPr/>
+        <p:txBody>
+          <a:bodyPr/>
+          <a:lstStyle/>
+          <a:p>
+            <a:pPr marL="36900" indent="0" algn="just">
+              <a:buNone/>
+            </a:pPr>
+            <a:r>
+              <a:rPr lang="ru-RU" dirty="0">
+                <a:effectLst/>
+              </a:rPr>
+              <a:t>Идея формировать разные картинки для каждого глаза путем построчного вывода их на экран — гораздо более современная и продвинутая. На ней основана, пожалуй, наиболее широко распространенная 3D-технология </a:t>
+            </a:r>
+            <a:r>
+              <a:rPr lang="ru-RU" b="1" dirty="0" err="1">
+                <a:effectLst/>
+              </a:rPr>
+              <a:t>XpanD</a:t>
+            </a:r>
+            <a:r>
+              <a:rPr lang="ru-RU" dirty="0">
+                <a:effectLst/>
+              </a:rPr>
+              <a:t>, которая используется как в кинотеатрах, так и 3D-телевизорах и мониторах. Для просмотра 3D-контента необходимы специальные очки, более того, они должны синхронизироваться непосредственно с устройством просмотра</a:t>
+            </a:r>
+            <a:r>
+              <a:rPr lang="ru-RU" dirty="0" smtClean="0">
+                <a:effectLst/>
+              </a:rPr>
+              <a:t>.</a:t>
+            </a:r>
+          </a:p>
+          <a:p>
+            <a:pPr marL="36900" indent="0" algn="just">
+              <a:buNone/>
+            </a:pPr>
+            <a:r>
+              <a:rPr lang="ru-RU" dirty="0">
+                <a:effectLst/>
+              </a:rPr>
+              <a:t>Синхронизация, как правило, осуществляется через ИК-датчик, расположенный между стеклами очков, ведь, как известно, если закрыть его пальцем (многие проделывали этот трюк в </a:t>
+            </a:r>
+            <a:r>
+              <a:rPr lang="ru-RU" b="1" dirty="0">
+                <a:effectLst/>
+              </a:rPr>
+              <a:t>3D -кинотеатрах</a:t>
+            </a:r>
+            <a:r>
+              <a:rPr lang="ru-RU" dirty="0">
+                <a:effectLst/>
+              </a:rPr>
+              <a:t>), объемное изображение теряется. Специальные очки (точнее, стекла в них) закрывают для каждого глаза то изображение, которое он не должен видеть — вот так просто и элегантно решена проблема создания объемного изображения.</a:t>
+            </a:r>
+            <a:endParaRPr lang="en-US" dirty="0"/>
+          </a:p>
+        </p:txBody>
+      </p:sp>
+    </p:spTree>
+    <p:extLst>
+      <p:ext uri="{BB962C8B-B14F-4D97-AF65-F5344CB8AC3E}">
+        <p14:creationId xmlns:p14="http://schemas.microsoft.com/office/powerpoint/2010/main" val="1914498989"/>
+      </p:ext>
+    </p:extLst>
+  </p:cSld>
+  <p:clrMapOvr>
+    <a:masterClrMapping/>
+  </p:clrMapOvr>
+</p:sld>
+</file>
+
+<file path=ppt/slides/slide7.xml><?xml version="1.0" encoding="utf-8"?>
+<p:sld xmlns:a="http://schemas.openxmlformats.org/drawingml/2006/main" xmlns:r="http://schemas.openxmlformats.org/officeDocument/2006/relationships" xmlns:p="http://schemas.openxmlformats.org/presentationml/2006/main">
+  <p:cSld>
+    <p:spTree>
+      <p:nvGrpSpPr>
+        <p:cNvPr id="1" name=""/>
+        <p:cNvGrpSpPr/>
+        <p:nvPr/>
+      </p:nvGrpSpPr>
+      <p:grpSpPr>
+        <a:xfrm>
+          <a:off x="0" y="0"/>
+          <a:ext cx="0" cy="0"/>
+          <a:chOff x="0" y="0"/>
+          <a:chExt cx="0" cy="0"/>
+        </a:xfrm>
+      </p:grpSpPr>
+      <p:sp>
+        <p:nvSpPr>
+          <p:cNvPr id="2" name="Title 1"/>
+          <p:cNvSpPr>
+            <a:spLocks noGrp="1"/>
+          </p:cNvSpPr>
+          <p:nvPr>
+            <p:ph type="title"/>
+          </p:nvPr>
+        </p:nvSpPr>
+        <p:spPr/>
+        <p:txBody>
+          <a:bodyPr/>
+          <a:lstStyle/>
+          <a:p>
+            <a:pPr fontAlgn="base"/>
+            <a:r>
+              <a:rPr lang="ru-RU" dirty="0" smtClean="0">
+                <a:effectLst/>
+              </a:rPr>
+              <a:t>Параллакс</a:t>
+            </a:r>
+            <a:endParaRPr lang="ru-RU" dirty="0">
+              <a:effectLst/>
+            </a:endParaRPr>
+          </a:p>
+        </p:txBody>
+      </p:sp>
+      <p:sp>
+        <p:nvSpPr>
+          <p:cNvPr id="3" name="Content Placeholder 2"/>
+          <p:cNvSpPr>
+            <a:spLocks noGrp="1"/>
+          </p:cNvSpPr>
+          <p:nvPr>
+            <p:ph idx="1"/>
+          </p:nvPr>
+        </p:nvSpPr>
+        <p:spPr/>
+        <p:txBody>
+          <a:bodyPr>
+            <a:normAutofit/>
+          </a:bodyPr>
+          <a:lstStyle/>
+          <a:p>
+            <a:pPr marL="36900" indent="0">
+              <a:buNone/>
+            </a:pPr>
+            <a:r>
+              <a:rPr lang="ru-RU" sz="2400" dirty="0">
+                <a:effectLst/>
+              </a:rPr>
+              <a:t>Впрочем, для просмотра </a:t>
+            </a:r>
+            <a:r>
+              <a:rPr lang="ru-RU" sz="2400" b="1" dirty="0">
+                <a:effectLst/>
+              </a:rPr>
+              <a:t>3D-контента</a:t>
+            </a:r>
+            <a:r>
+              <a:rPr lang="ru-RU" sz="2400" dirty="0">
+                <a:effectLst/>
+              </a:rPr>
+              <a:t> можно обойтись и без очков. В таком случае экран должен «подготовить» две разных картинки для каждого глаза. Поверх экрана располагается так называемый </a:t>
+            </a:r>
+            <a:r>
+              <a:rPr lang="ru-RU" sz="2400" dirty="0" err="1">
+                <a:effectLst/>
+              </a:rPr>
+              <a:t>параллаксный</a:t>
+            </a:r>
+            <a:r>
+              <a:rPr lang="ru-RU" sz="2400" dirty="0">
+                <a:effectLst/>
+              </a:rPr>
+              <a:t> барьер, слой из тонких и точных щелей, отвечающих за то, какую картинку видит тот или иной глаз. Естественно, определенная часть экрана при этом скрыта от каждого из глаз (за этим самым барьером), но, тем не менее, наш мозг и при обработке такого «разорванного» изображения формирует цельную картинку.</a:t>
+            </a:r>
+            <a:endParaRPr lang="en-US" sz="2400" dirty="0"/>
+          </a:p>
+        </p:txBody>
+      </p:sp>
+    </p:spTree>
+    <p:extLst>
+      <p:ext uri="{BB962C8B-B14F-4D97-AF65-F5344CB8AC3E}">
+        <p14:creationId xmlns:p14="http://schemas.microsoft.com/office/powerpoint/2010/main" val="558856786"/>
+      </p:ext>
+    </p:extLst>
+  </p:cSld>
+  <p:clrMapOvr>
+    <a:masterClrMapping/>
+  </p:clrMapOvr>
+</p:sld>
+</file>
+
+<file path=ppt/slides/slide8.xml><?xml version="1.0" encoding="utf-8"?>
+<p:sld xmlns:a="http://schemas.openxmlformats.org/drawingml/2006/main" xmlns:r="http://schemas.openxmlformats.org/officeDocument/2006/relationships" xmlns:p="http://schemas.openxmlformats.org/presentationml/2006/main">
+  <p:cSld>
+    <p:spTree>
+      <p:nvGrpSpPr>
+        <p:cNvPr id="1" name=""/>
+        <p:cNvGrpSpPr/>
+        <p:nvPr/>
+      </p:nvGrpSpPr>
+      <p:grpSpPr>
+        <a:xfrm>
+          <a:off x="0" y="0"/>
+          <a:ext cx="0" cy="0"/>
+          <a:chOff x="0" y="0"/>
+          <a:chExt cx="0" cy="0"/>
+        </a:xfrm>
+      </p:grpSpPr>
+      <p:pic>
+        <p:nvPicPr>
+          <p:cNvPr id="2050" name="Picture 2" descr="http://droider.ru/wp-content/uploads/2011/12/eyes.png"/>
+          <p:cNvPicPr>
+            <a:picLocks noGrp="1" noChangeAspect="1" noChangeArrowheads="1"/>
+          </p:cNvPicPr>
+          <p:nvPr>
+            <p:ph idx="1"/>
+          </p:nvPr>
+        </p:nvPicPr>
+        <p:blipFill>
+          <a:blip r:embed="rId2">
+            <a:extLst>
+              <a:ext uri="{28A0092B-C50C-407E-A947-70E740481C1C}">
+                <a14:useLocalDpi xmlns:a14="http://schemas.microsoft.com/office/drawing/2010/main" val="0"/>
+              </a:ext>
+            </a:extLst>
+          </a:blip>
+          <a:srcRect/>
+          <a:stretch>
+            <a:fillRect/>
+          </a:stretch>
+        </p:blipFill>
+        <p:spPr bwMode="auto">
+          <a:xfrm>
+            <a:off x="375338" y="412913"/>
+            <a:ext cx="4251944" cy="5798105"/>
+          </a:xfrm>
+          <a:prstGeom prst="rect">
+            <a:avLst/>
+          </a:prstGeom>
+          <a:noFill/>
+          <a:extLst>
+            <a:ext uri="{909E8E84-426E-40DD-AFC4-6F175D3DCCD1}">
+              <a14:hiddenFill xmlns:a14="http://schemas.microsoft.com/office/drawing/2010/main">
+                <a:solidFill>
+                  <a:srgbClr val="FFFFFF"/>
+                </a:solidFill>
+              </a14:hiddenFill>
+            </a:ext>
+          </a:extLst>
+        </p:spPr>
+      </p:pic>
+      <p:sp>
+        <p:nvSpPr>
+          <p:cNvPr id="6" name="Content Placeholder 2"/>
+          <p:cNvSpPr txBox="1">
+            <a:spLocks/>
+          </p:cNvSpPr>
+          <p:nvPr/>
+        </p:nvSpPr>
+        <p:spPr>
+          <a:xfrm>
+            <a:off x="5037825" y="491707"/>
+            <a:ext cx="6711352" cy="5840082"/>
+          </a:xfrm>
+          <a:prstGeom prst="rect">
+            <a:avLst/>
+          </a:prstGeom>
+          <a:effectLst>
+            <a:outerShdw blurRad="25400" dir="17880000">
+              <a:srgbClr val="000000">
+                <a:alpha val="46000"/>
+              </a:srgbClr>
+            </a:outerShdw>
+          </a:effectLst>
+        </p:spPr>
+        <p:txBody>
+          <a:bodyPr vert="horz" lIns="91440" tIns="45720" rIns="91440" bIns="45720" rtlCol="0" anchor="t">
+            <a:normAutofit/>
+          </a:bodyPr>
+          <a:lstStyle>
+            <a:lvl1pPr marL="342900" indent="-306000" algn="l" defTabSz="457200" rtl="0" eaLnBrk="1" latinLnBrk="0" hangingPunct="1">
+              <a:spcBef>
+                <a:spcPct val="20000"/>
+              </a:spcBef>
+              <a:spcAft>
+                <a:spcPts val="600"/>
+              </a:spcAft>
+              <a:buClr>
+                <a:schemeClr val="tx2"/>
+              </a:buClr>
+              <a:buSzPct val="70000"/>
+              <a:buFont typeface="Wingdings 2" charset="2"/>
+              <a:buChar char=""/>
+              <a:defRPr sz="2000" kern="1200">
+                <a:ln>
+                  <a:solidFill>
+                    <a:schemeClr val="bg1">
+                      <a:lumMod val="75000"/>
+                      <a:lumOff val="25000"/>
+                      <a:alpha val="10000"/>
+                    </a:schemeClr>
+                  </a:solidFill>
+                </a:ln>
+                <a:solidFill>
+                  <a:schemeClr val="tx2"/>
+                </a:solidFill>
+                <a:effectLst>
+                  <a:outerShdw blurRad="9525" dist="25400" dir="14640000" algn="tl" rotWithShape="0">
+                    <a:schemeClr val="bg1">
+                      <a:alpha val="30000"/>
+                    </a:schemeClr>
+                  </a:outerShdw>
+                </a:effectLst>
+                <a:latin typeface="+mn-lt"/>
+                <a:ea typeface="+mn-ea"/>
+                <a:cs typeface="+mn-cs"/>
+              </a:defRPr>
+            </a:lvl1pPr>
+            <a:lvl2pPr marL="720000" indent="-270000" algn="l" defTabSz="457200" rtl="0" eaLnBrk="1" latinLnBrk="0" hangingPunct="1">
+              <a:spcBef>
+                <a:spcPct val="20000"/>
+              </a:spcBef>
+              <a:spcAft>
+                <a:spcPts val="600"/>
+              </a:spcAft>
+              <a:buClr>
+                <a:schemeClr val="tx2"/>
+              </a:buClr>
+              <a:buSzPct val="70000"/>
+              <a:buFont typeface="Wingdings 2" charset="2"/>
+              <a:buChar char=""/>
+              <a:defRPr sz="1800" kern="1200">
+                <a:ln>
+                  <a:solidFill>
+                    <a:schemeClr val="bg1">
+                      <a:lumMod val="75000"/>
+                      <a:lumOff val="25000"/>
+                      <a:alpha val="10000"/>
+                    </a:schemeClr>
+                  </a:solidFill>
+                </a:ln>
+                <a:solidFill>
+                  <a:schemeClr val="tx2"/>
+                </a:solidFill>
+                <a:effectLst>
+                  <a:outerShdw blurRad="9525" dist="25400" dir="14640000" algn="tl" rotWithShape="0">
+                    <a:schemeClr val="bg1">
+                      <a:alpha val="30000"/>
+                    </a:schemeClr>
+                  </a:outerShdw>
+                </a:effectLst>
+                <a:latin typeface="+mn-lt"/>
+                <a:ea typeface="+mn-ea"/>
+                <a:cs typeface="+mn-cs"/>
+              </a:defRPr>
+            </a:lvl2pPr>
+            <a:lvl3pPr marL="1026000" indent="-216000" algn="l" defTabSz="457200" rtl="0" eaLnBrk="1" latinLnBrk="0" hangingPunct="1">
+              <a:spcBef>
+                <a:spcPct val="20000"/>
+              </a:spcBef>
+              <a:spcAft>
+                <a:spcPts val="600"/>
+              </a:spcAft>
+              <a:buClr>
+                <a:schemeClr val="tx2"/>
+              </a:buClr>
+              <a:buSzPct val="70000"/>
+              <a:buFont typeface="Wingdings 2" charset="2"/>
+              <a:buChar char=""/>
+              <a:defRPr sz="1600" kern="1200">
+                <a:ln>
+                  <a:solidFill>
+                    <a:schemeClr val="bg1">
+                      <a:lumMod val="75000"/>
+                      <a:lumOff val="25000"/>
+                      <a:alpha val="10000"/>
+                    </a:schemeClr>
+                  </a:solidFill>
+                </a:ln>
+                <a:solidFill>
+                  <a:schemeClr val="tx2"/>
+                </a:solidFill>
+                <a:effectLst>
+                  <a:outerShdw blurRad="9525" dist="25400" dir="14640000" algn="tl" rotWithShape="0">
+                    <a:schemeClr val="bg1">
+                      <a:alpha val="30000"/>
+                    </a:schemeClr>
+                  </a:outerShdw>
+                </a:effectLst>
+                <a:latin typeface="+mn-lt"/>
+                <a:ea typeface="+mn-ea"/>
+                <a:cs typeface="+mn-cs"/>
+              </a:defRPr>
+            </a:lvl3pPr>
+            <a:lvl4pPr marL="1386000" indent="-216000" algn="l" defTabSz="457200" rtl="0" eaLnBrk="1" latinLnBrk="0" hangingPunct="1">
+              <a:spcBef>
+                <a:spcPct val="20000"/>
+              </a:spcBef>
+              <a:spcAft>
+                <a:spcPts val="600"/>
+              </a:spcAft>
+              <a:buClr>
+                <a:schemeClr val="tx2"/>
+              </a:buClr>
+              <a:buSzPct val="70000"/>
+              <a:buFont typeface="Wingdings 2" charset="2"/>
+              <a:buChar char=""/>
+              <a:defRPr sz="1400" kern="1200">
+                <a:ln>
+                  <a:solidFill>
+                    <a:schemeClr val="bg1">
+                      <a:lumMod val="75000"/>
+                      <a:lumOff val="25000"/>
+                      <a:alpha val="10000"/>
+                    </a:schemeClr>
+                  </a:solidFill>
+                </a:ln>
+                <a:solidFill>
+                  <a:schemeClr val="tx2"/>
+                </a:solidFill>
+                <a:effectLst>
+                  <a:outerShdw blurRad="9525" dist="25400" dir="14640000" algn="tl" rotWithShape="0">
+                    <a:schemeClr val="bg1">
+                      <a:alpha val="30000"/>
+                    </a:schemeClr>
+                  </a:outerShdw>
+                </a:effectLst>
+                <a:latin typeface="+mn-lt"/>
+                <a:ea typeface="+mn-ea"/>
+                <a:cs typeface="+mn-cs"/>
+              </a:defRPr>
+            </a:lvl4pPr>
+            <a:lvl5pPr marL="1674000" indent="-216000" algn="l" defTabSz="457200" rtl="0" eaLnBrk="1" latinLnBrk="0" hangingPunct="1">
+              <a:spcBef>
+                <a:spcPct val="20000"/>
+              </a:spcBef>
+              <a:spcAft>
+                <a:spcPts val="600"/>
+              </a:spcAft>
+              <a:buClr>
+                <a:schemeClr val="tx2"/>
+              </a:buClr>
+              <a:buSzPct val="70000"/>
+              <a:buFont typeface="Wingdings 2" charset="2"/>
+              <a:buChar char=""/>
+              <a:defRPr sz="1400" kern="1200">
+                <a:ln>
+                  <a:solidFill>
+                    <a:schemeClr val="bg1">
+                      <a:lumMod val="75000"/>
+                      <a:lumOff val="25000"/>
+                      <a:alpha val="10000"/>
+                    </a:schemeClr>
+                  </a:solidFill>
+                </a:ln>
+                <a:solidFill>
+                  <a:schemeClr val="tx2"/>
+                </a:solidFill>
+                <a:effectLst>
+                  <a:outerShdw blurRad="9525" dist="25400" dir="14640000" algn="tl" rotWithShape="0">
+                    <a:schemeClr val="bg1">
+                      <a:alpha val="30000"/>
+                    </a:schemeClr>
+                  </a:outerShdw>
+                </a:effectLst>
+                <a:latin typeface="+mn-lt"/>
+                <a:ea typeface="+mn-ea"/>
+                <a:cs typeface="+mn-cs"/>
+              </a:defRPr>
+            </a:lvl5pPr>
+            <a:lvl6pPr marL="2014600" indent="-228600" algn="l" defTabSz="457200" rtl="0" eaLnBrk="1" latinLnBrk="0" hangingPunct="1">
+              <a:spcBef>
+                <a:spcPct val="20000"/>
+              </a:spcBef>
+              <a:spcAft>
+                <a:spcPts val="600"/>
+              </a:spcAft>
+              <a:buClr>
+                <a:schemeClr val="tx2"/>
+              </a:buClr>
+              <a:buSzPct val="70000"/>
+              <a:buFont typeface="Wingdings 2" charset="2"/>
+              <a:buChar char=""/>
+              <a:defRPr sz="1400" kern="1200">
+                <a:ln>
+                  <a:solidFill>
+                    <a:schemeClr val="bg1">
+                      <a:lumMod val="75000"/>
+                      <a:lumOff val="25000"/>
+                      <a:alpha val="10000"/>
+                    </a:schemeClr>
+                  </a:solidFill>
+                </a:ln>
+                <a:solidFill>
+                  <a:schemeClr val="tx2"/>
+                </a:solidFill>
+                <a:effectLst>
+                  <a:outerShdw blurRad="9525" dist="25400" dir="14640000" algn="tl" rotWithShape="0">
+                    <a:schemeClr val="bg1">
+                      <a:alpha val="30000"/>
+                    </a:schemeClr>
+                  </a:outerShdw>
+                </a:effectLst>
+                <a:latin typeface="+mn-lt"/>
+                <a:ea typeface="+mn-ea"/>
+                <a:cs typeface="+mn-cs"/>
+              </a:defRPr>
+            </a:lvl6pPr>
+            <a:lvl7pPr marL="2401800" indent="-228600" algn="l" defTabSz="457200" rtl="0" eaLnBrk="1" latinLnBrk="0" hangingPunct="1">
+              <a:spcBef>
+                <a:spcPct val="20000"/>
+              </a:spcBef>
+              <a:spcAft>
+                <a:spcPts val="600"/>
+              </a:spcAft>
+              <a:buClr>
+                <a:schemeClr val="tx2"/>
+              </a:buClr>
+              <a:buSzPct val="70000"/>
+              <a:buFont typeface="Wingdings 2" charset="2"/>
+              <a:buChar char=""/>
+              <a:defRPr sz="1400" kern="1200">
+                <a:ln>
+                  <a:solidFill>
+                    <a:schemeClr val="bg1">
+                      <a:lumMod val="75000"/>
+                      <a:lumOff val="25000"/>
+                      <a:alpha val="10000"/>
+                    </a:schemeClr>
+                  </a:solidFill>
+                </a:ln>
+                <a:solidFill>
+                  <a:schemeClr val="tx2"/>
+                </a:solidFill>
+                <a:effectLst>
+                  <a:outerShdw blurRad="9525" dist="25400" dir="14640000" algn="tl" rotWithShape="0">
+                    <a:schemeClr val="bg1">
+                      <a:alpha val="30000"/>
+                    </a:schemeClr>
+                  </a:outerShdw>
+                </a:effectLst>
+                <a:latin typeface="+mn-lt"/>
+                <a:ea typeface="+mn-ea"/>
+                <a:cs typeface="+mn-cs"/>
+              </a:defRPr>
+            </a:lvl7pPr>
+            <a:lvl8pPr marL="2789000" indent="-228600" algn="l" defTabSz="457200" rtl="0" eaLnBrk="1" latinLnBrk="0" hangingPunct="1">
+              <a:spcBef>
+                <a:spcPct val="20000"/>
+              </a:spcBef>
+              <a:spcAft>
+                <a:spcPts val="600"/>
+              </a:spcAft>
+              <a:buClr>
+                <a:schemeClr val="tx2"/>
+              </a:buClr>
+              <a:buSzPct val="70000"/>
+              <a:buFont typeface="Wingdings 2" charset="2"/>
+              <a:buChar char=""/>
+              <a:defRPr sz="1400" kern="1200">
+                <a:ln>
+                  <a:solidFill>
+                    <a:schemeClr val="bg1">
+                      <a:lumMod val="75000"/>
+                      <a:lumOff val="25000"/>
+                      <a:alpha val="10000"/>
+                    </a:schemeClr>
+                  </a:solidFill>
+                </a:ln>
+                <a:solidFill>
+                  <a:schemeClr val="tx2"/>
+                </a:solidFill>
+                <a:effectLst>
+                  <a:outerShdw blurRad="9525" dist="25400" dir="14640000" algn="tl" rotWithShape="0">
+                    <a:schemeClr val="bg1">
+                      <a:alpha val="30000"/>
+                    </a:schemeClr>
+                  </a:outerShdw>
+                </a:effectLst>
+                <a:latin typeface="+mn-lt"/>
+                <a:ea typeface="+mn-ea"/>
+                <a:cs typeface="+mn-cs"/>
+              </a:defRPr>
+            </a:lvl8pPr>
+            <a:lvl9pPr marL="3106200" indent="-228600" algn="l" defTabSz="457200" rtl="0" eaLnBrk="1" latinLnBrk="0" hangingPunct="1">
+              <a:spcBef>
+                <a:spcPct val="20000"/>
+              </a:spcBef>
+              <a:spcAft>
+                <a:spcPts val="600"/>
+              </a:spcAft>
+              <a:buClr>
+                <a:schemeClr val="tx2"/>
+              </a:buClr>
+              <a:buSzPct val="70000"/>
+              <a:buFont typeface="Wingdings 2" charset="2"/>
+              <a:buChar char=""/>
+              <a:defRPr sz="1400" kern="1200">
+                <a:ln>
+                  <a:solidFill>
+                    <a:schemeClr val="bg1">
+                      <a:lumMod val="75000"/>
+                      <a:lumOff val="25000"/>
+                      <a:alpha val="10000"/>
+                    </a:schemeClr>
+                  </a:solidFill>
+                </a:ln>
+                <a:solidFill>
+                  <a:schemeClr val="tx2"/>
+                </a:solidFill>
+                <a:effectLst>
+                  <a:outerShdw blurRad="9525" dist="25400" dir="14640000" algn="tl" rotWithShape="0">
+                    <a:schemeClr val="bg1">
+                      <a:alpha val="30000"/>
+                    </a:schemeClr>
+                  </a:outerShdw>
+                </a:effectLst>
+                <a:latin typeface="+mn-lt"/>
+                <a:ea typeface="+mn-ea"/>
+                <a:cs typeface="+mn-cs"/>
+              </a:defRPr>
+            </a:lvl9pPr>
+          </a:lstStyle>
+          <a:p>
+            <a:pPr marL="36900" indent="0" fontAlgn="base">
+              <a:buNone/>
+            </a:pPr>
+            <a:r>
+              <a:rPr lang="ru-RU" dirty="0">
+                <a:effectLst/>
+              </a:rPr>
+              <a:t>К недостаткам этой технологии следует отнести то, что при малейшем сдвиге от оптимальной точки просмотра глаза уже не будут воспринимать изображение как объемное, оно будет просто двоиться или размываться. Экраны с </a:t>
+            </a:r>
+            <a:r>
+              <a:rPr lang="ru-RU" dirty="0" err="1">
+                <a:effectLst/>
+              </a:rPr>
+              <a:t>параллаксным</a:t>
+            </a:r>
+            <a:r>
+              <a:rPr lang="ru-RU" dirty="0">
+                <a:effectLst/>
+              </a:rPr>
+              <a:t> барьером используют в портативных устройствах — телефонах, фотоаппаратах и ноутбуках.</a:t>
+            </a:r>
+          </a:p>
+          <a:p>
+            <a:pPr marL="36900" indent="0">
+              <a:buNone/>
+            </a:pPr>
+            <a:endParaRPr lang="en-US" sz="2400" dirty="0"/>
+          </a:p>
+        </p:txBody>
+      </p:sp>
+    </p:spTree>
+    <p:extLst>
+      <p:ext uri="{BB962C8B-B14F-4D97-AF65-F5344CB8AC3E}">
+        <p14:creationId xmlns:p14="http://schemas.microsoft.com/office/powerpoint/2010/main" val="2265371158"/>
+      </p:ext>
+    </p:extLst>
+  </p:cSld>
+  <p:clrMapOvr>
+    <a:masterClrMapping/>
+  </p:clrMapOvr>
+</p:sld>
+</file>
+
+<file path=ppt/slides/slide9.xml><?xml version="1.0" encoding="utf-8"?>
+<p:sld xmlns:a="http://schemas.openxmlformats.org/drawingml/2006/main" xmlns:r="http://schemas.openxmlformats.org/officeDocument/2006/relationships" xmlns:p="http://schemas.openxmlformats.org/presentationml/2006/main">
+  <p:cSld>
+    <p:spTree>
+      <p:nvGrpSpPr>
+        <p:cNvPr id="1" name=""/>
+        <p:cNvGrpSpPr/>
+        <p:nvPr/>
+      </p:nvGrpSpPr>
+      <p:grpSpPr>
+        <a:xfrm>
+          <a:off x="0" y="0"/>
+          <a:ext cx="0" cy="0"/>
+          <a:chOff x="0" y="0"/>
+          <a:chExt cx="0" cy="0"/>
+        </a:xfrm>
+      </p:grpSpPr>
+      <p:sp>
+        <p:nvSpPr>
+          <p:cNvPr id="2" name="Title 1"/>
+          <p:cNvSpPr>
+            <a:spLocks noGrp="1"/>
+          </p:cNvSpPr>
+          <p:nvPr>
+            <p:ph type="title"/>
+          </p:nvPr>
+        </p:nvSpPr>
+        <p:spPr/>
+        <p:txBody>
+          <a:bodyPr>
+            <a:noAutofit/>
+          </a:bodyPr>
+          <a:lstStyle/>
+          <a:p>
+            <a:r>
+              <a:rPr lang="ru-RU" sz="2800" dirty="0">
+                <a:effectLst/>
+              </a:rPr>
+              <a:t>Но как </a:t>
+            </a:r>
+            <a:r>
+              <a:rPr lang="ru-RU" sz="2800">
+                <a:effectLst/>
+              </a:rPr>
+              <a:t>же </a:t>
+            </a:r>
+            <a:r>
+              <a:rPr lang="ru-RU" sz="2800" smtClean="0">
+                <a:effectLst/>
+              </a:rPr>
+              <a:t>бы </a:t>
+            </a:r>
+            <a:r>
+              <a:rPr lang="ru-RU" sz="2800" dirty="0">
+                <a:effectLst/>
+              </a:rPr>
+              <a:t>недостатков? Ничто в мире не совершенно, не являются исключением и </a:t>
+            </a:r>
+            <a:r>
+              <a:rPr lang="ru-RU" sz="2800" b="1" dirty="0">
+                <a:effectLst/>
+              </a:rPr>
+              <a:t>3D-технологии</a:t>
+            </a:r>
+            <a:r>
+              <a:rPr lang="ru-RU" sz="2800" dirty="0">
+                <a:effectLst/>
+              </a:rPr>
+              <a:t>. Вот перечень основных </a:t>
+            </a:r>
+            <a:r>
+              <a:rPr lang="ru-RU" sz="2800" dirty="0" smtClean="0">
+                <a:effectLst/>
+              </a:rPr>
+              <a:t>недостатков</a:t>
+            </a:r>
+            <a:endParaRPr lang="en-US" sz="2800" dirty="0"/>
+          </a:p>
+        </p:txBody>
+      </p:sp>
+      <p:sp>
+        <p:nvSpPr>
+          <p:cNvPr id="3" name="Content Placeholder 2"/>
+          <p:cNvSpPr>
+            <a:spLocks noGrp="1"/>
+          </p:cNvSpPr>
+          <p:nvPr>
+            <p:ph idx="1"/>
+          </p:nvPr>
+        </p:nvSpPr>
+        <p:spPr>
+          <a:xfrm>
+            <a:off x="913795" y="2242868"/>
+            <a:ext cx="10353762" cy="3548332"/>
+          </a:xfrm>
+        </p:spPr>
+        <p:txBody>
+          <a:bodyPr/>
+          <a:lstStyle/>
+          <a:p>
+            <a:pPr algn="just" fontAlgn="base"/>
+            <a:r>
+              <a:rPr lang="ru-RU" dirty="0">
+                <a:effectLst/>
+              </a:rPr>
+              <a:t>Очки довольно сильно затемняют изображение;</a:t>
+            </a:r>
+          </a:p>
+          <a:p>
+            <a:pPr algn="just" fontAlgn="base"/>
+            <a:r>
+              <a:rPr lang="ru-RU" dirty="0">
+                <a:effectLst/>
+              </a:rPr>
+              <a:t>При просмотре 3D — контента болят глаза;</a:t>
+            </a:r>
+          </a:p>
+          <a:p>
+            <a:pPr algn="just" fontAlgn="base"/>
+            <a:r>
+              <a:rPr lang="ru-RU" dirty="0">
+                <a:effectLst/>
+              </a:rPr>
+              <a:t>Объемный эффект хорошо ощутим только в специально подготовленных видеороликах, чаще всего увиденное 3D-изображение не впечатляет;</a:t>
+            </a:r>
+          </a:p>
+          <a:p>
+            <a:pPr algn="just" fontAlgn="base"/>
+            <a:r>
+              <a:rPr lang="ru-RU" dirty="0">
+                <a:effectLst/>
+              </a:rPr>
+              <a:t>Для просмотра 3D-контента необходим специальный экран (а порой еще и очки);</a:t>
+            </a:r>
+          </a:p>
+          <a:p>
+            <a:pPr algn="just" fontAlgn="base"/>
+            <a:r>
+              <a:rPr lang="ru-RU" dirty="0">
+                <a:effectLst/>
+              </a:rPr>
+              <a:t>Да и распечатать 3D-фотографию, увы, не удастся. Пока..</a:t>
+            </a:r>
+          </a:p>
+        </p:txBody>
+      </p:sp>
+    </p:spTree>
+    <p:extLst>
+      <p:ext uri="{BB962C8B-B14F-4D97-AF65-F5344CB8AC3E}">
+        <p14:creationId xmlns:p14="http://schemas.microsoft.com/office/powerpoint/2010/main" val="3715497489"/>
       </p:ext>
     </p:extLst>
   </p:cSld>
